--- a/ppt 16-9/0596.不可忘恩.pptx
+++ b/ppt 16-9/0596.不可忘恩.pptx
@@ -5,7 +5,7 @@
     <p:sldMasterId id="2147483648" r:id="rId1"/>
   </p:sldMasterIdLst>
   <p:sldIdLst>
-    <p:sldId id="2371" r:id="rId2"/>
+    <p:sldId id="2372" r:id="rId2"/>
   </p:sldIdLst>
   <p:sldSz cx="12192000" cy="6858000"/>
   <p:notesSz cx="6858000" cy="9144000"/>
@@ -129,7 +129,7 @@
           <p:cNvPr id="2" name="标题 1">
             <a:extLst>
               <a:ext uri="{FF2B5EF4-FFF2-40B4-BE49-F238E27FC236}">
-                <a16:creationId xmlns:a16="http://schemas.microsoft.com/office/drawing/2014/main" id="{9DF83436-EF5E-72D3-82CC-6C771A425246}"/>
+                <a16:creationId xmlns:a16="http://schemas.microsoft.com/office/drawing/2014/main" id="{0DF65A66-286B-6ADD-5195-C90432A1DE44}"/>
               </a:ext>
             </a:extLst>
           </p:cNvPr>
@@ -166,7 +166,7 @@
           <p:cNvPr id="3" name="副标题 2">
             <a:extLst>
               <a:ext uri="{FF2B5EF4-FFF2-40B4-BE49-F238E27FC236}">
-                <a16:creationId xmlns:a16="http://schemas.microsoft.com/office/drawing/2014/main" id="{A28D4795-1F1C-0494-9E2B-6726CFFC0C72}"/>
+                <a16:creationId xmlns:a16="http://schemas.microsoft.com/office/drawing/2014/main" id="{D7725626-33E5-A726-C30B-8B15397D84DA}"/>
               </a:ext>
             </a:extLst>
           </p:cNvPr>
@@ -236,7 +236,7 @@
           <p:cNvPr id="4" name="日期占位符 3">
             <a:extLst>
               <a:ext uri="{FF2B5EF4-FFF2-40B4-BE49-F238E27FC236}">
-                <a16:creationId xmlns:a16="http://schemas.microsoft.com/office/drawing/2014/main" id="{4B693B86-4A54-8104-BA98-961A1563CE9A}"/>
+                <a16:creationId xmlns:a16="http://schemas.microsoft.com/office/drawing/2014/main" id="{E3F5883C-A7D3-6341-F90F-A11329BA835D}"/>
               </a:ext>
             </a:extLst>
           </p:cNvPr>
@@ -252,7 +252,7 @@
           <a:bodyPr/>
           <a:lstStyle/>
           <a:p>
-            <a:fld id="{1D722137-2904-4062-9030-4A176E7EEFDA}" type="datetimeFigureOut">
+            <a:fld id="{D125FF21-65F2-4C68-8E5C-AB540B63124E}" type="datetimeFigureOut">
               <a:rPr lang="zh-CN" altLang="en-US" smtClean="0"/>
               <a:t>2024/3/10</a:t>
             </a:fld>
@@ -265,7 +265,7 @@
           <p:cNvPr id="5" name="页脚占位符 4">
             <a:extLst>
               <a:ext uri="{FF2B5EF4-FFF2-40B4-BE49-F238E27FC236}">
-                <a16:creationId xmlns:a16="http://schemas.microsoft.com/office/drawing/2014/main" id="{156E0901-A03D-698E-17C2-10E0E105EFB0}"/>
+                <a16:creationId xmlns:a16="http://schemas.microsoft.com/office/drawing/2014/main" id="{AFDACA30-5DED-515A-D0EC-9641173F2DEF}"/>
               </a:ext>
             </a:extLst>
           </p:cNvPr>
@@ -290,7 +290,7 @@
           <p:cNvPr id="6" name="灯片编号占位符 5">
             <a:extLst>
               <a:ext uri="{FF2B5EF4-FFF2-40B4-BE49-F238E27FC236}">
-                <a16:creationId xmlns:a16="http://schemas.microsoft.com/office/drawing/2014/main" id="{2C4A747E-C229-3138-A617-C6B361AD42D0}"/>
+                <a16:creationId xmlns:a16="http://schemas.microsoft.com/office/drawing/2014/main" id="{0C495004-77B6-9AC4-B29E-91DB62F3514E}"/>
               </a:ext>
             </a:extLst>
           </p:cNvPr>
@@ -306,7 +306,7 @@
           <a:bodyPr/>
           <a:lstStyle/>
           <a:p>
-            <a:fld id="{CAB4E7A5-7D28-40C5-8EDD-61C3A7FA35DF}" type="slidenum">
+            <a:fld id="{39108789-E885-4AAF-A689-A9D81F71C1B7}" type="slidenum">
               <a:rPr lang="zh-CN" altLang="en-US" smtClean="0"/>
               <a:t>‹#›</a:t>
             </a:fld>
@@ -317,7 +317,7 @@
     </p:spTree>
     <p:extLst>
       <p:ext uri="{BB962C8B-B14F-4D97-AF65-F5344CB8AC3E}">
-        <p14:creationId xmlns:p14="http://schemas.microsoft.com/office/powerpoint/2010/main" val="2301614868"/>
+        <p14:creationId xmlns:p14="http://schemas.microsoft.com/office/powerpoint/2010/main" val="2116126466"/>
       </p:ext>
     </p:extLst>
   </p:cSld>
@@ -349,7 +349,7 @@
           <p:cNvPr id="2" name="标题 1">
             <a:extLst>
               <a:ext uri="{FF2B5EF4-FFF2-40B4-BE49-F238E27FC236}">
-                <a16:creationId xmlns:a16="http://schemas.microsoft.com/office/drawing/2014/main" id="{8BAA6BC8-90FD-1016-6E3D-285A46DBF7D4}"/>
+                <a16:creationId xmlns:a16="http://schemas.microsoft.com/office/drawing/2014/main" id="{73571A45-43F0-1F03-A5F0-66C397E97414}"/>
               </a:ext>
             </a:extLst>
           </p:cNvPr>
@@ -377,7 +377,7 @@
           <p:cNvPr id="3" name="竖排文字占位符 2">
             <a:extLst>
               <a:ext uri="{FF2B5EF4-FFF2-40B4-BE49-F238E27FC236}">
-                <a16:creationId xmlns:a16="http://schemas.microsoft.com/office/drawing/2014/main" id="{E1BEEDED-BADB-8564-9A54-3729067FB3B7}"/>
+                <a16:creationId xmlns:a16="http://schemas.microsoft.com/office/drawing/2014/main" id="{C1C5FFA4-D964-FA4A-CBA4-7A2FF3BBB1D2}"/>
               </a:ext>
             </a:extLst>
           </p:cNvPr>
@@ -434,7 +434,7 @@
           <p:cNvPr id="4" name="日期占位符 3">
             <a:extLst>
               <a:ext uri="{FF2B5EF4-FFF2-40B4-BE49-F238E27FC236}">
-                <a16:creationId xmlns:a16="http://schemas.microsoft.com/office/drawing/2014/main" id="{4F7359F3-5B7C-98D6-57BD-FD41268CC65D}"/>
+                <a16:creationId xmlns:a16="http://schemas.microsoft.com/office/drawing/2014/main" id="{87FC0E66-6E20-7FC0-A954-F3D6CE898299}"/>
               </a:ext>
             </a:extLst>
           </p:cNvPr>
@@ -450,7 +450,7 @@
           <a:bodyPr/>
           <a:lstStyle/>
           <a:p>
-            <a:fld id="{1D722137-2904-4062-9030-4A176E7EEFDA}" type="datetimeFigureOut">
+            <a:fld id="{D125FF21-65F2-4C68-8E5C-AB540B63124E}" type="datetimeFigureOut">
               <a:rPr lang="zh-CN" altLang="en-US" smtClean="0"/>
               <a:t>2024/3/10</a:t>
             </a:fld>
@@ -463,7 +463,7 @@
           <p:cNvPr id="5" name="页脚占位符 4">
             <a:extLst>
               <a:ext uri="{FF2B5EF4-FFF2-40B4-BE49-F238E27FC236}">
-                <a16:creationId xmlns:a16="http://schemas.microsoft.com/office/drawing/2014/main" id="{6A178D8C-EE30-05D1-FB71-9CA2A7D9DB70}"/>
+                <a16:creationId xmlns:a16="http://schemas.microsoft.com/office/drawing/2014/main" id="{2801C178-9B07-9447-4DA8-807431977279}"/>
               </a:ext>
             </a:extLst>
           </p:cNvPr>
@@ -488,7 +488,7 @@
           <p:cNvPr id="6" name="灯片编号占位符 5">
             <a:extLst>
               <a:ext uri="{FF2B5EF4-FFF2-40B4-BE49-F238E27FC236}">
-                <a16:creationId xmlns:a16="http://schemas.microsoft.com/office/drawing/2014/main" id="{723F2229-C2E6-3AEE-6A85-BBE613AEC63F}"/>
+                <a16:creationId xmlns:a16="http://schemas.microsoft.com/office/drawing/2014/main" id="{03171492-42E6-FC3E-DA48-289472575AB2}"/>
               </a:ext>
             </a:extLst>
           </p:cNvPr>
@@ -504,7 +504,7 @@
           <a:bodyPr/>
           <a:lstStyle/>
           <a:p>
-            <a:fld id="{CAB4E7A5-7D28-40C5-8EDD-61C3A7FA35DF}" type="slidenum">
+            <a:fld id="{39108789-E885-4AAF-A689-A9D81F71C1B7}" type="slidenum">
               <a:rPr lang="zh-CN" altLang="en-US" smtClean="0"/>
               <a:t>‹#›</a:t>
             </a:fld>
@@ -515,7 +515,7 @@
     </p:spTree>
     <p:extLst>
       <p:ext uri="{BB962C8B-B14F-4D97-AF65-F5344CB8AC3E}">
-        <p14:creationId xmlns:p14="http://schemas.microsoft.com/office/powerpoint/2010/main" val="2613170478"/>
+        <p14:creationId xmlns:p14="http://schemas.microsoft.com/office/powerpoint/2010/main" val="1687546988"/>
       </p:ext>
     </p:extLst>
   </p:cSld>
@@ -547,7 +547,7 @@
           <p:cNvPr id="2" name="竖排标题 1">
             <a:extLst>
               <a:ext uri="{FF2B5EF4-FFF2-40B4-BE49-F238E27FC236}">
-                <a16:creationId xmlns:a16="http://schemas.microsoft.com/office/drawing/2014/main" id="{3ECE150E-8C80-071A-E9FB-724F74651C8C}"/>
+                <a16:creationId xmlns:a16="http://schemas.microsoft.com/office/drawing/2014/main" id="{879CBE76-F98E-A922-9B0B-A5FEB82AB3A8}"/>
               </a:ext>
             </a:extLst>
           </p:cNvPr>
@@ -580,7 +580,7 @@
           <p:cNvPr id="3" name="竖排文字占位符 2">
             <a:extLst>
               <a:ext uri="{FF2B5EF4-FFF2-40B4-BE49-F238E27FC236}">
-                <a16:creationId xmlns:a16="http://schemas.microsoft.com/office/drawing/2014/main" id="{0C9B6ECE-DE93-147B-9439-3A6B2F7388EF}"/>
+                <a16:creationId xmlns:a16="http://schemas.microsoft.com/office/drawing/2014/main" id="{CBBC880D-7659-0756-6A94-6DB08C5B89CC}"/>
               </a:ext>
             </a:extLst>
           </p:cNvPr>
@@ -642,7 +642,7 @@
           <p:cNvPr id="4" name="日期占位符 3">
             <a:extLst>
               <a:ext uri="{FF2B5EF4-FFF2-40B4-BE49-F238E27FC236}">
-                <a16:creationId xmlns:a16="http://schemas.microsoft.com/office/drawing/2014/main" id="{56C80ABD-B2FA-FB7B-D065-DB3C1F3B770D}"/>
+                <a16:creationId xmlns:a16="http://schemas.microsoft.com/office/drawing/2014/main" id="{B278ECD3-5E2B-EC0D-A93B-279C12D9F94C}"/>
               </a:ext>
             </a:extLst>
           </p:cNvPr>
@@ -658,7 +658,7 @@
           <a:bodyPr/>
           <a:lstStyle/>
           <a:p>
-            <a:fld id="{1D722137-2904-4062-9030-4A176E7EEFDA}" type="datetimeFigureOut">
+            <a:fld id="{D125FF21-65F2-4C68-8E5C-AB540B63124E}" type="datetimeFigureOut">
               <a:rPr lang="zh-CN" altLang="en-US" smtClean="0"/>
               <a:t>2024/3/10</a:t>
             </a:fld>
@@ -671,7 +671,7 @@
           <p:cNvPr id="5" name="页脚占位符 4">
             <a:extLst>
               <a:ext uri="{FF2B5EF4-FFF2-40B4-BE49-F238E27FC236}">
-                <a16:creationId xmlns:a16="http://schemas.microsoft.com/office/drawing/2014/main" id="{29B48ED0-78EA-A58B-A33C-0F2BEBD6B527}"/>
+                <a16:creationId xmlns:a16="http://schemas.microsoft.com/office/drawing/2014/main" id="{1FD5A230-8AF7-0A12-D4C8-ACA56CE52DC5}"/>
               </a:ext>
             </a:extLst>
           </p:cNvPr>
@@ -696,7 +696,7 @@
           <p:cNvPr id="6" name="灯片编号占位符 5">
             <a:extLst>
               <a:ext uri="{FF2B5EF4-FFF2-40B4-BE49-F238E27FC236}">
-                <a16:creationId xmlns:a16="http://schemas.microsoft.com/office/drawing/2014/main" id="{87285304-B477-0A93-5956-FCD7FF56FEDC}"/>
+                <a16:creationId xmlns:a16="http://schemas.microsoft.com/office/drawing/2014/main" id="{814C8427-B92B-04EA-759E-E358A04A62DF}"/>
               </a:ext>
             </a:extLst>
           </p:cNvPr>
@@ -712,7 +712,7 @@
           <a:bodyPr/>
           <a:lstStyle/>
           <a:p>
-            <a:fld id="{CAB4E7A5-7D28-40C5-8EDD-61C3A7FA35DF}" type="slidenum">
+            <a:fld id="{39108789-E885-4AAF-A689-A9D81F71C1B7}" type="slidenum">
               <a:rPr lang="zh-CN" altLang="en-US" smtClean="0"/>
               <a:t>‹#›</a:t>
             </a:fld>
@@ -723,7 +723,7 @@
     </p:spTree>
     <p:extLst>
       <p:ext uri="{BB962C8B-B14F-4D97-AF65-F5344CB8AC3E}">
-        <p14:creationId xmlns:p14="http://schemas.microsoft.com/office/powerpoint/2010/main" val="3870422605"/>
+        <p14:creationId xmlns:p14="http://schemas.microsoft.com/office/powerpoint/2010/main" val="2313389667"/>
       </p:ext>
     </p:extLst>
   </p:cSld>
@@ -755,7 +755,7 @@
           <p:cNvPr id="2" name="标题 1">
             <a:extLst>
               <a:ext uri="{FF2B5EF4-FFF2-40B4-BE49-F238E27FC236}">
-                <a16:creationId xmlns:a16="http://schemas.microsoft.com/office/drawing/2014/main" id="{2BB534F4-8A47-E363-8F16-928A3B618255}"/>
+                <a16:creationId xmlns:a16="http://schemas.microsoft.com/office/drawing/2014/main" id="{A6DE1726-4140-C741-7B86-42359494152F}"/>
               </a:ext>
             </a:extLst>
           </p:cNvPr>
@@ -783,7 +783,7 @@
           <p:cNvPr id="3" name="内容占位符 2">
             <a:extLst>
               <a:ext uri="{FF2B5EF4-FFF2-40B4-BE49-F238E27FC236}">
-                <a16:creationId xmlns:a16="http://schemas.microsoft.com/office/drawing/2014/main" id="{F255565E-A45C-7A25-8103-15AE41A00B57}"/>
+                <a16:creationId xmlns:a16="http://schemas.microsoft.com/office/drawing/2014/main" id="{A3E47549-0F2D-0AFA-798B-DA6C84CDC8B9}"/>
               </a:ext>
             </a:extLst>
           </p:cNvPr>
@@ -840,7 +840,7 @@
           <p:cNvPr id="4" name="日期占位符 3">
             <a:extLst>
               <a:ext uri="{FF2B5EF4-FFF2-40B4-BE49-F238E27FC236}">
-                <a16:creationId xmlns:a16="http://schemas.microsoft.com/office/drawing/2014/main" id="{E30D49DE-766B-DCFD-BC45-3F72FEDC791E}"/>
+                <a16:creationId xmlns:a16="http://schemas.microsoft.com/office/drawing/2014/main" id="{814A451F-04E7-A753-E119-120BC4776B58}"/>
               </a:ext>
             </a:extLst>
           </p:cNvPr>
@@ -856,7 +856,7 @@
           <a:bodyPr/>
           <a:lstStyle/>
           <a:p>
-            <a:fld id="{1D722137-2904-4062-9030-4A176E7EEFDA}" type="datetimeFigureOut">
+            <a:fld id="{D125FF21-65F2-4C68-8E5C-AB540B63124E}" type="datetimeFigureOut">
               <a:rPr lang="zh-CN" altLang="en-US" smtClean="0"/>
               <a:t>2024/3/10</a:t>
             </a:fld>
@@ -869,7 +869,7 @@
           <p:cNvPr id="5" name="页脚占位符 4">
             <a:extLst>
               <a:ext uri="{FF2B5EF4-FFF2-40B4-BE49-F238E27FC236}">
-                <a16:creationId xmlns:a16="http://schemas.microsoft.com/office/drawing/2014/main" id="{9DCEF1AC-3DC0-DA1B-2972-A204526EED44}"/>
+                <a16:creationId xmlns:a16="http://schemas.microsoft.com/office/drawing/2014/main" id="{1AE2BB21-FC50-272F-EC61-E61B58DE12DC}"/>
               </a:ext>
             </a:extLst>
           </p:cNvPr>
@@ -894,7 +894,7 @@
           <p:cNvPr id="6" name="灯片编号占位符 5">
             <a:extLst>
               <a:ext uri="{FF2B5EF4-FFF2-40B4-BE49-F238E27FC236}">
-                <a16:creationId xmlns:a16="http://schemas.microsoft.com/office/drawing/2014/main" id="{B9911188-57C8-DFB6-7432-57A8533F8473}"/>
+                <a16:creationId xmlns:a16="http://schemas.microsoft.com/office/drawing/2014/main" id="{6242B093-CDD3-FF94-BE11-4845C455AD27}"/>
               </a:ext>
             </a:extLst>
           </p:cNvPr>
@@ -910,7 +910,7 @@
           <a:bodyPr/>
           <a:lstStyle/>
           <a:p>
-            <a:fld id="{CAB4E7A5-7D28-40C5-8EDD-61C3A7FA35DF}" type="slidenum">
+            <a:fld id="{39108789-E885-4AAF-A689-A9D81F71C1B7}" type="slidenum">
               <a:rPr lang="zh-CN" altLang="en-US" smtClean="0"/>
               <a:t>‹#›</a:t>
             </a:fld>
@@ -921,7 +921,7 @@
     </p:spTree>
     <p:extLst>
       <p:ext uri="{BB962C8B-B14F-4D97-AF65-F5344CB8AC3E}">
-        <p14:creationId xmlns:p14="http://schemas.microsoft.com/office/powerpoint/2010/main" val="4154852396"/>
+        <p14:creationId xmlns:p14="http://schemas.microsoft.com/office/powerpoint/2010/main" val="2269602711"/>
       </p:ext>
     </p:extLst>
   </p:cSld>
@@ -953,7 +953,7 @@
           <p:cNvPr id="2" name="标题 1">
             <a:extLst>
               <a:ext uri="{FF2B5EF4-FFF2-40B4-BE49-F238E27FC236}">
-                <a16:creationId xmlns:a16="http://schemas.microsoft.com/office/drawing/2014/main" id="{8928B382-254D-2620-1E34-F11E7FDAB47A}"/>
+                <a16:creationId xmlns:a16="http://schemas.microsoft.com/office/drawing/2014/main" id="{D0136973-06C9-D662-3C63-E40F7D0E4495}"/>
               </a:ext>
             </a:extLst>
           </p:cNvPr>
@@ -990,7 +990,7 @@
           <p:cNvPr id="3" name="文本占位符 2">
             <a:extLst>
               <a:ext uri="{FF2B5EF4-FFF2-40B4-BE49-F238E27FC236}">
-                <a16:creationId xmlns:a16="http://schemas.microsoft.com/office/drawing/2014/main" id="{242BD5AE-98E8-0655-D718-11BE1118CB7D}"/>
+                <a16:creationId xmlns:a16="http://schemas.microsoft.com/office/drawing/2014/main" id="{D7E393D2-D676-5DA0-A93B-5ECCC695D116}"/>
               </a:ext>
             </a:extLst>
           </p:cNvPr>
@@ -1115,7 +1115,7 @@
           <p:cNvPr id="4" name="日期占位符 3">
             <a:extLst>
               <a:ext uri="{FF2B5EF4-FFF2-40B4-BE49-F238E27FC236}">
-                <a16:creationId xmlns:a16="http://schemas.microsoft.com/office/drawing/2014/main" id="{B15FF6DD-A422-8524-A554-6DAC7BA7463A}"/>
+                <a16:creationId xmlns:a16="http://schemas.microsoft.com/office/drawing/2014/main" id="{9192FB87-D083-6417-AB29-26CDD5DA2B67}"/>
               </a:ext>
             </a:extLst>
           </p:cNvPr>
@@ -1131,7 +1131,7 @@
           <a:bodyPr/>
           <a:lstStyle/>
           <a:p>
-            <a:fld id="{1D722137-2904-4062-9030-4A176E7EEFDA}" type="datetimeFigureOut">
+            <a:fld id="{D125FF21-65F2-4C68-8E5C-AB540B63124E}" type="datetimeFigureOut">
               <a:rPr lang="zh-CN" altLang="en-US" smtClean="0"/>
               <a:t>2024/3/10</a:t>
             </a:fld>
@@ -1144,7 +1144,7 @@
           <p:cNvPr id="5" name="页脚占位符 4">
             <a:extLst>
               <a:ext uri="{FF2B5EF4-FFF2-40B4-BE49-F238E27FC236}">
-                <a16:creationId xmlns:a16="http://schemas.microsoft.com/office/drawing/2014/main" id="{71112FD7-635A-68AB-8831-D282D41C1845}"/>
+                <a16:creationId xmlns:a16="http://schemas.microsoft.com/office/drawing/2014/main" id="{EE91CB73-8163-830C-1B96-946A99B5E1D2}"/>
               </a:ext>
             </a:extLst>
           </p:cNvPr>
@@ -1169,7 +1169,7 @@
           <p:cNvPr id="6" name="灯片编号占位符 5">
             <a:extLst>
               <a:ext uri="{FF2B5EF4-FFF2-40B4-BE49-F238E27FC236}">
-                <a16:creationId xmlns:a16="http://schemas.microsoft.com/office/drawing/2014/main" id="{C38428F7-3A01-E32D-6B05-0D9BF596D15C}"/>
+                <a16:creationId xmlns:a16="http://schemas.microsoft.com/office/drawing/2014/main" id="{357C8F68-FCE5-7CD4-69C1-9B8B209EC0D5}"/>
               </a:ext>
             </a:extLst>
           </p:cNvPr>
@@ -1185,7 +1185,7 @@
           <a:bodyPr/>
           <a:lstStyle/>
           <a:p>
-            <a:fld id="{CAB4E7A5-7D28-40C5-8EDD-61C3A7FA35DF}" type="slidenum">
+            <a:fld id="{39108789-E885-4AAF-A689-A9D81F71C1B7}" type="slidenum">
               <a:rPr lang="zh-CN" altLang="en-US" smtClean="0"/>
               <a:t>‹#›</a:t>
             </a:fld>
@@ -1196,7 +1196,7 @@
     </p:spTree>
     <p:extLst>
       <p:ext uri="{BB962C8B-B14F-4D97-AF65-F5344CB8AC3E}">
-        <p14:creationId xmlns:p14="http://schemas.microsoft.com/office/powerpoint/2010/main" val="919197002"/>
+        <p14:creationId xmlns:p14="http://schemas.microsoft.com/office/powerpoint/2010/main" val="170645553"/>
       </p:ext>
     </p:extLst>
   </p:cSld>
@@ -1228,7 +1228,7 @@
           <p:cNvPr id="2" name="标题 1">
             <a:extLst>
               <a:ext uri="{FF2B5EF4-FFF2-40B4-BE49-F238E27FC236}">
-                <a16:creationId xmlns:a16="http://schemas.microsoft.com/office/drawing/2014/main" id="{2FC8CA44-4B9E-F963-1124-E97CF04D5E7A}"/>
+                <a16:creationId xmlns:a16="http://schemas.microsoft.com/office/drawing/2014/main" id="{062C1979-383E-7BA8-E331-6321E0FBB088}"/>
               </a:ext>
             </a:extLst>
           </p:cNvPr>
@@ -1256,7 +1256,7 @@
           <p:cNvPr id="3" name="内容占位符 2">
             <a:extLst>
               <a:ext uri="{FF2B5EF4-FFF2-40B4-BE49-F238E27FC236}">
-                <a16:creationId xmlns:a16="http://schemas.microsoft.com/office/drawing/2014/main" id="{385E2F54-F379-564E-832D-F4878F568BE0}"/>
+                <a16:creationId xmlns:a16="http://schemas.microsoft.com/office/drawing/2014/main" id="{8776B1B2-00EB-0A6D-8722-BA004D404567}"/>
               </a:ext>
             </a:extLst>
           </p:cNvPr>
@@ -1318,7 +1318,7 @@
           <p:cNvPr id="4" name="内容占位符 3">
             <a:extLst>
               <a:ext uri="{FF2B5EF4-FFF2-40B4-BE49-F238E27FC236}">
-                <a16:creationId xmlns:a16="http://schemas.microsoft.com/office/drawing/2014/main" id="{927AC187-941C-511A-5BB9-3F599129E6F9}"/>
+                <a16:creationId xmlns:a16="http://schemas.microsoft.com/office/drawing/2014/main" id="{DE84C068-450C-22FE-9CE6-466AC5D9E0B9}"/>
               </a:ext>
             </a:extLst>
           </p:cNvPr>
@@ -1380,7 +1380,7 @@
           <p:cNvPr id="5" name="日期占位符 4">
             <a:extLst>
               <a:ext uri="{FF2B5EF4-FFF2-40B4-BE49-F238E27FC236}">
-                <a16:creationId xmlns:a16="http://schemas.microsoft.com/office/drawing/2014/main" id="{A4909115-C296-7EE1-3BFE-07556FFDE828}"/>
+                <a16:creationId xmlns:a16="http://schemas.microsoft.com/office/drawing/2014/main" id="{B3B614EB-B15F-A03C-463F-4861E5B6C239}"/>
               </a:ext>
             </a:extLst>
           </p:cNvPr>
@@ -1396,7 +1396,7 @@
           <a:bodyPr/>
           <a:lstStyle/>
           <a:p>
-            <a:fld id="{1D722137-2904-4062-9030-4A176E7EEFDA}" type="datetimeFigureOut">
+            <a:fld id="{D125FF21-65F2-4C68-8E5C-AB540B63124E}" type="datetimeFigureOut">
               <a:rPr lang="zh-CN" altLang="en-US" smtClean="0"/>
               <a:t>2024/3/10</a:t>
             </a:fld>
@@ -1409,7 +1409,7 @@
           <p:cNvPr id="6" name="页脚占位符 5">
             <a:extLst>
               <a:ext uri="{FF2B5EF4-FFF2-40B4-BE49-F238E27FC236}">
-                <a16:creationId xmlns:a16="http://schemas.microsoft.com/office/drawing/2014/main" id="{602463F0-EA04-4F46-5441-60F138978435}"/>
+                <a16:creationId xmlns:a16="http://schemas.microsoft.com/office/drawing/2014/main" id="{BCB325FD-1B65-0AEF-2A3F-CE16DE9D800E}"/>
               </a:ext>
             </a:extLst>
           </p:cNvPr>
@@ -1434,7 +1434,7 @@
           <p:cNvPr id="7" name="灯片编号占位符 6">
             <a:extLst>
               <a:ext uri="{FF2B5EF4-FFF2-40B4-BE49-F238E27FC236}">
-                <a16:creationId xmlns:a16="http://schemas.microsoft.com/office/drawing/2014/main" id="{E8D2666B-73D1-352D-5CC8-0A1661D00C7D}"/>
+                <a16:creationId xmlns:a16="http://schemas.microsoft.com/office/drawing/2014/main" id="{34FCE30A-3DD4-4150-E0E4-866D3575D6F5}"/>
               </a:ext>
             </a:extLst>
           </p:cNvPr>
@@ -1450,7 +1450,7 @@
           <a:bodyPr/>
           <a:lstStyle/>
           <a:p>
-            <a:fld id="{CAB4E7A5-7D28-40C5-8EDD-61C3A7FA35DF}" type="slidenum">
+            <a:fld id="{39108789-E885-4AAF-A689-A9D81F71C1B7}" type="slidenum">
               <a:rPr lang="zh-CN" altLang="en-US" smtClean="0"/>
               <a:t>‹#›</a:t>
             </a:fld>
@@ -1461,7 +1461,7 @@
     </p:spTree>
     <p:extLst>
       <p:ext uri="{BB962C8B-B14F-4D97-AF65-F5344CB8AC3E}">
-        <p14:creationId xmlns:p14="http://schemas.microsoft.com/office/powerpoint/2010/main" val="2968917055"/>
+        <p14:creationId xmlns:p14="http://schemas.microsoft.com/office/powerpoint/2010/main" val="3672506102"/>
       </p:ext>
     </p:extLst>
   </p:cSld>
@@ -1493,7 +1493,7 @@
           <p:cNvPr id="2" name="标题 1">
             <a:extLst>
               <a:ext uri="{FF2B5EF4-FFF2-40B4-BE49-F238E27FC236}">
-                <a16:creationId xmlns:a16="http://schemas.microsoft.com/office/drawing/2014/main" id="{8C22D6E5-E831-4409-D722-458B6D2FE5E4}"/>
+                <a16:creationId xmlns:a16="http://schemas.microsoft.com/office/drawing/2014/main" id="{F9166160-A3A5-B59F-39D0-ACB641BB823E}"/>
               </a:ext>
             </a:extLst>
           </p:cNvPr>
@@ -1526,7 +1526,7 @@
           <p:cNvPr id="3" name="文本占位符 2">
             <a:extLst>
               <a:ext uri="{FF2B5EF4-FFF2-40B4-BE49-F238E27FC236}">
-                <a16:creationId xmlns:a16="http://schemas.microsoft.com/office/drawing/2014/main" id="{C24718CA-DA98-6F89-5A8C-FD8B0705D860}"/>
+                <a16:creationId xmlns:a16="http://schemas.microsoft.com/office/drawing/2014/main" id="{EC48F84C-CAF9-7F71-1888-CA7897705C43}"/>
               </a:ext>
             </a:extLst>
           </p:cNvPr>
@@ -1597,7 +1597,7 @@
           <p:cNvPr id="4" name="内容占位符 3">
             <a:extLst>
               <a:ext uri="{FF2B5EF4-FFF2-40B4-BE49-F238E27FC236}">
-                <a16:creationId xmlns:a16="http://schemas.microsoft.com/office/drawing/2014/main" id="{BAD4469B-7D4A-0B24-FFE1-683C6AC26952}"/>
+                <a16:creationId xmlns:a16="http://schemas.microsoft.com/office/drawing/2014/main" id="{82EBF433-08F7-18D1-029A-2154C870F5F3}"/>
               </a:ext>
             </a:extLst>
           </p:cNvPr>
@@ -1659,7 +1659,7 @@
           <p:cNvPr id="5" name="文本占位符 4">
             <a:extLst>
               <a:ext uri="{FF2B5EF4-FFF2-40B4-BE49-F238E27FC236}">
-                <a16:creationId xmlns:a16="http://schemas.microsoft.com/office/drawing/2014/main" id="{DF35AA42-F5BC-F212-67EA-F3D069A3710C}"/>
+                <a16:creationId xmlns:a16="http://schemas.microsoft.com/office/drawing/2014/main" id="{D3C1874D-BD69-A402-8C5B-6DB8DAD975AD}"/>
               </a:ext>
             </a:extLst>
           </p:cNvPr>
@@ -1730,7 +1730,7 @@
           <p:cNvPr id="6" name="内容占位符 5">
             <a:extLst>
               <a:ext uri="{FF2B5EF4-FFF2-40B4-BE49-F238E27FC236}">
-                <a16:creationId xmlns:a16="http://schemas.microsoft.com/office/drawing/2014/main" id="{80779A0A-3A79-B6AF-2117-2049158615BD}"/>
+                <a16:creationId xmlns:a16="http://schemas.microsoft.com/office/drawing/2014/main" id="{A689B79B-E5D6-DCD6-F495-8365C725FEDE}"/>
               </a:ext>
             </a:extLst>
           </p:cNvPr>
@@ -1792,7 +1792,7 @@
           <p:cNvPr id="7" name="日期占位符 6">
             <a:extLst>
               <a:ext uri="{FF2B5EF4-FFF2-40B4-BE49-F238E27FC236}">
-                <a16:creationId xmlns:a16="http://schemas.microsoft.com/office/drawing/2014/main" id="{65978CEB-C318-4A1D-33B1-7D25FD241122}"/>
+                <a16:creationId xmlns:a16="http://schemas.microsoft.com/office/drawing/2014/main" id="{F6D8AB44-3963-6A6D-A29A-B4F418F3A84C}"/>
               </a:ext>
             </a:extLst>
           </p:cNvPr>
@@ -1808,7 +1808,7 @@
           <a:bodyPr/>
           <a:lstStyle/>
           <a:p>
-            <a:fld id="{1D722137-2904-4062-9030-4A176E7EEFDA}" type="datetimeFigureOut">
+            <a:fld id="{D125FF21-65F2-4C68-8E5C-AB540B63124E}" type="datetimeFigureOut">
               <a:rPr lang="zh-CN" altLang="en-US" smtClean="0"/>
               <a:t>2024/3/10</a:t>
             </a:fld>
@@ -1821,7 +1821,7 @@
           <p:cNvPr id="8" name="页脚占位符 7">
             <a:extLst>
               <a:ext uri="{FF2B5EF4-FFF2-40B4-BE49-F238E27FC236}">
-                <a16:creationId xmlns:a16="http://schemas.microsoft.com/office/drawing/2014/main" id="{3DF94AFE-D282-4FB1-7021-6AFD4D299F65}"/>
+                <a16:creationId xmlns:a16="http://schemas.microsoft.com/office/drawing/2014/main" id="{58BA7A90-C483-050B-FACC-E0B007440708}"/>
               </a:ext>
             </a:extLst>
           </p:cNvPr>
@@ -1846,7 +1846,7 @@
           <p:cNvPr id="9" name="灯片编号占位符 8">
             <a:extLst>
               <a:ext uri="{FF2B5EF4-FFF2-40B4-BE49-F238E27FC236}">
-                <a16:creationId xmlns:a16="http://schemas.microsoft.com/office/drawing/2014/main" id="{D130CAA3-2CE8-A233-BAC7-3B528677FA8C}"/>
+                <a16:creationId xmlns:a16="http://schemas.microsoft.com/office/drawing/2014/main" id="{9DF40433-6050-2E3C-2637-FC9C02313472}"/>
               </a:ext>
             </a:extLst>
           </p:cNvPr>
@@ -1862,7 +1862,7 @@
           <a:bodyPr/>
           <a:lstStyle/>
           <a:p>
-            <a:fld id="{CAB4E7A5-7D28-40C5-8EDD-61C3A7FA35DF}" type="slidenum">
+            <a:fld id="{39108789-E885-4AAF-A689-A9D81F71C1B7}" type="slidenum">
               <a:rPr lang="zh-CN" altLang="en-US" smtClean="0"/>
               <a:t>‹#›</a:t>
             </a:fld>
@@ -1873,7 +1873,7 @@
     </p:spTree>
     <p:extLst>
       <p:ext uri="{BB962C8B-B14F-4D97-AF65-F5344CB8AC3E}">
-        <p14:creationId xmlns:p14="http://schemas.microsoft.com/office/powerpoint/2010/main" val="1403944981"/>
+        <p14:creationId xmlns:p14="http://schemas.microsoft.com/office/powerpoint/2010/main" val="594830956"/>
       </p:ext>
     </p:extLst>
   </p:cSld>
@@ -1905,7 +1905,7 @@
           <p:cNvPr id="2" name="标题 1">
             <a:extLst>
               <a:ext uri="{FF2B5EF4-FFF2-40B4-BE49-F238E27FC236}">
-                <a16:creationId xmlns:a16="http://schemas.microsoft.com/office/drawing/2014/main" id="{B73F9E7B-91C4-0D0A-221F-DE130C890B73}"/>
+                <a16:creationId xmlns:a16="http://schemas.microsoft.com/office/drawing/2014/main" id="{7E9814FA-E443-97B4-5313-78D29CEFCFDF}"/>
               </a:ext>
             </a:extLst>
           </p:cNvPr>
@@ -1933,7 +1933,7 @@
           <p:cNvPr id="3" name="日期占位符 2">
             <a:extLst>
               <a:ext uri="{FF2B5EF4-FFF2-40B4-BE49-F238E27FC236}">
-                <a16:creationId xmlns:a16="http://schemas.microsoft.com/office/drawing/2014/main" id="{49AD2916-0F43-4E73-3E63-20656ADE2F54}"/>
+                <a16:creationId xmlns:a16="http://schemas.microsoft.com/office/drawing/2014/main" id="{6034268E-D78D-93E0-BAD3-9BDD2C91165F}"/>
               </a:ext>
             </a:extLst>
           </p:cNvPr>
@@ -1949,7 +1949,7 @@
           <a:bodyPr/>
           <a:lstStyle/>
           <a:p>
-            <a:fld id="{1D722137-2904-4062-9030-4A176E7EEFDA}" type="datetimeFigureOut">
+            <a:fld id="{D125FF21-65F2-4C68-8E5C-AB540B63124E}" type="datetimeFigureOut">
               <a:rPr lang="zh-CN" altLang="en-US" smtClean="0"/>
               <a:t>2024/3/10</a:t>
             </a:fld>
@@ -1962,7 +1962,7 @@
           <p:cNvPr id="4" name="页脚占位符 3">
             <a:extLst>
               <a:ext uri="{FF2B5EF4-FFF2-40B4-BE49-F238E27FC236}">
-                <a16:creationId xmlns:a16="http://schemas.microsoft.com/office/drawing/2014/main" id="{602A9DFD-8C80-1E32-815D-4C32BFD15C94}"/>
+                <a16:creationId xmlns:a16="http://schemas.microsoft.com/office/drawing/2014/main" id="{006456C1-BD43-034A-E6A8-92D4A57C05BC}"/>
               </a:ext>
             </a:extLst>
           </p:cNvPr>
@@ -1987,7 +1987,7 @@
           <p:cNvPr id="5" name="灯片编号占位符 4">
             <a:extLst>
               <a:ext uri="{FF2B5EF4-FFF2-40B4-BE49-F238E27FC236}">
-                <a16:creationId xmlns:a16="http://schemas.microsoft.com/office/drawing/2014/main" id="{406C61DE-8545-F34D-2144-A2E0CA2963F9}"/>
+                <a16:creationId xmlns:a16="http://schemas.microsoft.com/office/drawing/2014/main" id="{BC46E5CC-F5B0-499B-E7B1-EF61015E6FA4}"/>
               </a:ext>
             </a:extLst>
           </p:cNvPr>
@@ -2003,7 +2003,7 @@
           <a:bodyPr/>
           <a:lstStyle/>
           <a:p>
-            <a:fld id="{CAB4E7A5-7D28-40C5-8EDD-61C3A7FA35DF}" type="slidenum">
+            <a:fld id="{39108789-E885-4AAF-A689-A9D81F71C1B7}" type="slidenum">
               <a:rPr lang="zh-CN" altLang="en-US" smtClean="0"/>
               <a:t>‹#›</a:t>
             </a:fld>
@@ -2014,7 +2014,7 @@
     </p:spTree>
     <p:extLst>
       <p:ext uri="{BB962C8B-B14F-4D97-AF65-F5344CB8AC3E}">
-        <p14:creationId xmlns:p14="http://schemas.microsoft.com/office/powerpoint/2010/main" val="2855278067"/>
+        <p14:creationId xmlns:p14="http://schemas.microsoft.com/office/powerpoint/2010/main" val="908120872"/>
       </p:ext>
     </p:extLst>
   </p:cSld>
@@ -2046,7 +2046,7 @@
           <p:cNvPr id="2" name="日期占位符 1">
             <a:extLst>
               <a:ext uri="{FF2B5EF4-FFF2-40B4-BE49-F238E27FC236}">
-                <a16:creationId xmlns:a16="http://schemas.microsoft.com/office/drawing/2014/main" id="{284E0131-D4C4-E8C0-9413-1A93E01DA824}"/>
+                <a16:creationId xmlns:a16="http://schemas.microsoft.com/office/drawing/2014/main" id="{7E3FA7F6-4920-0C86-E804-CC5302EBDBED}"/>
               </a:ext>
             </a:extLst>
           </p:cNvPr>
@@ -2062,7 +2062,7 @@
           <a:bodyPr/>
           <a:lstStyle/>
           <a:p>
-            <a:fld id="{1D722137-2904-4062-9030-4A176E7EEFDA}" type="datetimeFigureOut">
+            <a:fld id="{D125FF21-65F2-4C68-8E5C-AB540B63124E}" type="datetimeFigureOut">
               <a:rPr lang="zh-CN" altLang="en-US" smtClean="0"/>
               <a:t>2024/3/10</a:t>
             </a:fld>
@@ -2075,7 +2075,7 @@
           <p:cNvPr id="3" name="页脚占位符 2">
             <a:extLst>
               <a:ext uri="{FF2B5EF4-FFF2-40B4-BE49-F238E27FC236}">
-                <a16:creationId xmlns:a16="http://schemas.microsoft.com/office/drawing/2014/main" id="{15AD3B17-3D43-3918-B148-0C9E36AED162}"/>
+                <a16:creationId xmlns:a16="http://schemas.microsoft.com/office/drawing/2014/main" id="{3AC7741D-2CFC-27CC-0958-8316EF4BB208}"/>
               </a:ext>
             </a:extLst>
           </p:cNvPr>
@@ -2100,7 +2100,7 @@
           <p:cNvPr id="4" name="灯片编号占位符 3">
             <a:extLst>
               <a:ext uri="{FF2B5EF4-FFF2-40B4-BE49-F238E27FC236}">
-                <a16:creationId xmlns:a16="http://schemas.microsoft.com/office/drawing/2014/main" id="{BB928891-2221-0D71-6F19-85A70996AFA5}"/>
+                <a16:creationId xmlns:a16="http://schemas.microsoft.com/office/drawing/2014/main" id="{8014C998-D5F3-4C0F-CFA5-C1DF1D34C27A}"/>
               </a:ext>
             </a:extLst>
           </p:cNvPr>
@@ -2116,7 +2116,7 @@
           <a:bodyPr/>
           <a:lstStyle/>
           <a:p>
-            <a:fld id="{CAB4E7A5-7D28-40C5-8EDD-61C3A7FA35DF}" type="slidenum">
+            <a:fld id="{39108789-E885-4AAF-A689-A9D81F71C1B7}" type="slidenum">
               <a:rPr lang="zh-CN" altLang="en-US" smtClean="0"/>
               <a:t>‹#›</a:t>
             </a:fld>
@@ -2127,7 +2127,7 @@
     </p:spTree>
     <p:extLst>
       <p:ext uri="{BB962C8B-B14F-4D97-AF65-F5344CB8AC3E}">
-        <p14:creationId xmlns:p14="http://schemas.microsoft.com/office/powerpoint/2010/main" val="3738726862"/>
+        <p14:creationId xmlns:p14="http://schemas.microsoft.com/office/powerpoint/2010/main" val="3615162878"/>
       </p:ext>
     </p:extLst>
   </p:cSld>
@@ -2159,7 +2159,7 @@
           <p:cNvPr id="2" name="标题 1">
             <a:extLst>
               <a:ext uri="{FF2B5EF4-FFF2-40B4-BE49-F238E27FC236}">
-                <a16:creationId xmlns:a16="http://schemas.microsoft.com/office/drawing/2014/main" id="{FF397F6F-D7E5-C406-672A-CB148A46348A}"/>
+                <a16:creationId xmlns:a16="http://schemas.microsoft.com/office/drawing/2014/main" id="{674F186A-52E1-7057-1CB9-6BE6791F6EE8}"/>
               </a:ext>
             </a:extLst>
           </p:cNvPr>
@@ -2196,7 +2196,7 @@
           <p:cNvPr id="3" name="内容占位符 2">
             <a:extLst>
               <a:ext uri="{FF2B5EF4-FFF2-40B4-BE49-F238E27FC236}">
-                <a16:creationId xmlns:a16="http://schemas.microsoft.com/office/drawing/2014/main" id="{2393F8C2-9123-7E84-390B-241C2FF01E92}"/>
+                <a16:creationId xmlns:a16="http://schemas.microsoft.com/office/drawing/2014/main" id="{A74FF107-A110-9DF7-E8B0-66E9CA14173E}"/>
               </a:ext>
             </a:extLst>
           </p:cNvPr>
@@ -2286,7 +2286,7 @@
           <p:cNvPr id="4" name="文本占位符 3">
             <a:extLst>
               <a:ext uri="{FF2B5EF4-FFF2-40B4-BE49-F238E27FC236}">
-                <a16:creationId xmlns:a16="http://schemas.microsoft.com/office/drawing/2014/main" id="{FB2860DF-37FC-9E63-5C33-A3AFA710086B}"/>
+                <a16:creationId xmlns:a16="http://schemas.microsoft.com/office/drawing/2014/main" id="{43732CEC-F892-FC8F-6B98-208CB1EE639C}"/>
               </a:ext>
             </a:extLst>
           </p:cNvPr>
@@ -2357,7 +2357,7 @@
           <p:cNvPr id="5" name="日期占位符 4">
             <a:extLst>
               <a:ext uri="{FF2B5EF4-FFF2-40B4-BE49-F238E27FC236}">
-                <a16:creationId xmlns:a16="http://schemas.microsoft.com/office/drawing/2014/main" id="{0613A9D4-1C04-C897-A27D-746CEF51CCBB}"/>
+                <a16:creationId xmlns:a16="http://schemas.microsoft.com/office/drawing/2014/main" id="{D086BC23-58A0-F3DD-E785-B50E034A7ECA}"/>
               </a:ext>
             </a:extLst>
           </p:cNvPr>
@@ -2373,7 +2373,7 @@
           <a:bodyPr/>
           <a:lstStyle/>
           <a:p>
-            <a:fld id="{1D722137-2904-4062-9030-4A176E7EEFDA}" type="datetimeFigureOut">
+            <a:fld id="{D125FF21-65F2-4C68-8E5C-AB540B63124E}" type="datetimeFigureOut">
               <a:rPr lang="zh-CN" altLang="en-US" smtClean="0"/>
               <a:t>2024/3/10</a:t>
             </a:fld>
@@ -2386,7 +2386,7 @@
           <p:cNvPr id="6" name="页脚占位符 5">
             <a:extLst>
               <a:ext uri="{FF2B5EF4-FFF2-40B4-BE49-F238E27FC236}">
-                <a16:creationId xmlns:a16="http://schemas.microsoft.com/office/drawing/2014/main" id="{B4730BE0-204A-D2FD-47B2-D1B7FB1BDFD8}"/>
+                <a16:creationId xmlns:a16="http://schemas.microsoft.com/office/drawing/2014/main" id="{FAD04872-54BD-2CA1-1188-7F033B8C0144}"/>
               </a:ext>
             </a:extLst>
           </p:cNvPr>
@@ -2411,7 +2411,7 @@
           <p:cNvPr id="7" name="灯片编号占位符 6">
             <a:extLst>
               <a:ext uri="{FF2B5EF4-FFF2-40B4-BE49-F238E27FC236}">
-                <a16:creationId xmlns:a16="http://schemas.microsoft.com/office/drawing/2014/main" id="{DEB8D1C1-59A7-C7E1-6C89-23329A85B97F}"/>
+                <a16:creationId xmlns:a16="http://schemas.microsoft.com/office/drawing/2014/main" id="{CC73C4E4-3E5A-7048-C3F7-477AEF1A9F95}"/>
               </a:ext>
             </a:extLst>
           </p:cNvPr>
@@ -2427,7 +2427,7 @@
           <a:bodyPr/>
           <a:lstStyle/>
           <a:p>
-            <a:fld id="{CAB4E7A5-7D28-40C5-8EDD-61C3A7FA35DF}" type="slidenum">
+            <a:fld id="{39108789-E885-4AAF-A689-A9D81F71C1B7}" type="slidenum">
               <a:rPr lang="zh-CN" altLang="en-US" smtClean="0"/>
               <a:t>‹#›</a:t>
             </a:fld>
@@ -2438,7 +2438,7 @@
     </p:spTree>
     <p:extLst>
       <p:ext uri="{BB962C8B-B14F-4D97-AF65-F5344CB8AC3E}">
-        <p14:creationId xmlns:p14="http://schemas.microsoft.com/office/powerpoint/2010/main" val="2919288424"/>
+        <p14:creationId xmlns:p14="http://schemas.microsoft.com/office/powerpoint/2010/main" val="696067373"/>
       </p:ext>
     </p:extLst>
   </p:cSld>
@@ -2470,7 +2470,7 @@
           <p:cNvPr id="2" name="标题 1">
             <a:extLst>
               <a:ext uri="{FF2B5EF4-FFF2-40B4-BE49-F238E27FC236}">
-                <a16:creationId xmlns:a16="http://schemas.microsoft.com/office/drawing/2014/main" id="{1972CD84-0403-14AE-28B1-FC7C430AF6EC}"/>
+                <a16:creationId xmlns:a16="http://schemas.microsoft.com/office/drawing/2014/main" id="{13699F0F-F599-E3BB-8D31-A50AC17DDB8E}"/>
               </a:ext>
             </a:extLst>
           </p:cNvPr>
@@ -2507,7 +2507,7 @@
           <p:cNvPr id="3" name="图片占位符 2">
             <a:extLst>
               <a:ext uri="{FF2B5EF4-FFF2-40B4-BE49-F238E27FC236}">
-                <a16:creationId xmlns:a16="http://schemas.microsoft.com/office/drawing/2014/main" id="{B563278A-1083-625A-5792-E453A3280FDF}"/>
+                <a16:creationId xmlns:a16="http://schemas.microsoft.com/office/drawing/2014/main" id="{3CA00467-74B6-29C9-425D-49EE6CC7677A}"/>
               </a:ext>
             </a:extLst>
           </p:cNvPr>
@@ -2574,7 +2574,7 @@
           <p:cNvPr id="4" name="文本占位符 3">
             <a:extLst>
               <a:ext uri="{FF2B5EF4-FFF2-40B4-BE49-F238E27FC236}">
-                <a16:creationId xmlns:a16="http://schemas.microsoft.com/office/drawing/2014/main" id="{64CC6AC8-509F-495E-043B-FA476808ACBD}"/>
+                <a16:creationId xmlns:a16="http://schemas.microsoft.com/office/drawing/2014/main" id="{AAEB7099-3289-8C60-58A8-96D15A7D8520}"/>
               </a:ext>
             </a:extLst>
           </p:cNvPr>
@@ -2645,7 +2645,7 @@
           <p:cNvPr id="5" name="日期占位符 4">
             <a:extLst>
               <a:ext uri="{FF2B5EF4-FFF2-40B4-BE49-F238E27FC236}">
-                <a16:creationId xmlns:a16="http://schemas.microsoft.com/office/drawing/2014/main" id="{4DFB3D99-6C1C-4C6A-8F02-E9E51065DBA7}"/>
+                <a16:creationId xmlns:a16="http://schemas.microsoft.com/office/drawing/2014/main" id="{4822F677-6082-BD16-84D1-4282892EB1CF}"/>
               </a:ext>
             </a:extLst>
           </p:cNvPr>
@@ -2661,7 +2661,7 @@
           <a:bodyPr/>
           <a:lstStyle/>
           <a:p>
-            <a:fld id="{1D722137-2904-4062-9030-4A176E7EEFDA}" type="datetimeFigureOut">
+            <a:fld id="{D125FF21-65F2-4C68-8E5C-AB540B63124E}" type="datetimeFigureOut">
               <a:rPr lang="zh-CN" altLang="en-US" smtClean="0"/>
               <a:t>2024/3/10</a:t>
             </a:fld>
@@ -2674,7 +2674,7 @@
           <p:cNvPr id="6" name="页脚占位符 5">
             <a:extLst>
               <a:ext uri="{FF2B5EF4-FFF2-40B4-BE49-F238E27FC236}">
-                <a16:creationId xmlns:a16="http://schemas.microsoft.com/office/drawing/2014/main" id="{538AAD7C-D8FC-6A6D-317C-2997F106E8F3}"/>
+                <a16:creationId xmlns:a16="http://schemas.microsoft.com/office/drawing/2014/main" id="{11C51B61-28C1-FE0F-7C68-D0ED288F034F}"/>
               </a:ext>
             </a:extLst>
           </p:cNvPr>
@@ -2699,7 +2699,7 @@
           <p:cNvPr id="7" name="灯片编号占位符 6">
             <a:extLst>
               <a:ext uri="{FF2B5EF4-FFF2-40B4-BE49-F238E27FC236}">
-                <a16:creationId xmlns:a16="http://schemas.microsoft.com/office/drawing/2014/main" id="{01F2DF33-9FE8-DB7A-C7DF-47F0914F92FE}"/>
+                <a16:creationId xmlns:a16="http://schemas.microsoft.com/office/drawing/2014/main" id="{1F2CF388-EF0F-330F-EC05-F01F73370AE4}"/>
               </a:ext>
             </a:extLst>
           </p:cNvPr>
@@ -2715,7 +2715,7 @@
           <a:bodyPr/>
           <a:lstStyle/>
           <a:p>
-            <a:fld id="{CAB4E7A5-7D28-40C5-8EDD-61C3A7FA35DF}" type="slidenum">
+            <a:fld id="{39108789-E885-4AAF-A689-A9D81F71C1B7}" type="slidenum">
               <a:rPr lang="zh-CN" altLang="en-US" smtClean="0"/>
               <a:t>‹#›</a:t>
             </a:fld>
@@ -2726,7 +2726,7 @@
     </p:spTree>
     <p:extLst>
       <p:ext uri="{BB962C8B-B14F-4D97-AF65-F5344CB8AC3E}">
-        <p14:creationId xmlns:p14="http://schemas.microsoft.com/office/powerpoint/2010/main" val="1434018822"/>
+        <p14:creationId xmlns:p14="http://schemas.microsoft.com/office/powerpoint/2010/main" val="3904738927"/>
       </p:ext>
     </p:extLst>
   </p:cSld>
@@ -2763,7 +2763,7 @@
           <p:cNvPr id="2" name="标题占位符 1">
             <a:extLst>
               <a:ext uri="{FF2B5EF4-FFF2-40B4-BE49-F238E27FC236}">
-                <a16:creationId xmlns:a16="http://schemas.microsoft.com/office/drawing/2014/main" id="{0A6DD035-E384-65FA-7CF5-A9086E62D3A6}"/>
+                <a16:creationId xmlns:a16="http://schemas.microsoft.com/office/drawing/2014/main" id="{6C4967B7-8524-B0F6-CFC8-E3D0C387DE6E}"/>
               </a:ext>
             </a:extLst>
           </p:cNvPr>
@@ -2801,7 +2801,7 @@
           <p:cNvPr id="3" name="文本占位符 2">
             <a:extLst>
               <a:ext uri="{FF2B5EF4-FFF2-40B4-BE49-F238E27FC236}">
-                <a16:creationId xmlns:a16="http://schemas.microsoft.com/office/drawing/2014/main" id="{D73A8FC2-72F9-30A0-AD31-E2F010153E06}"/>
+                <a16:creationId xmlns:a16="http://schemas.microsoft.com/office/drawing/2014/main" id="{57919E35-BCE3-7184-30EC-8401FEE74FEB}"/>
               </a:ext>
             </a:extLst>
           </p:cNvPr>
@@ -2868,7 +2868,7 @@
           <p:cNvPr id="4" name="日期占位符 3">
             <a:extLst>
               <a:ext uri="{FF2B5EF4-FFF2-40B4-BE49-F238E27FC236}">
-                <a16:creationId xmlns:a16="http://schemas.microsoft.com/office/drawing/2014/main" id="{5D8CFCE5-A73F-555C-3C5D-0FD9F3167A64}"/>
+                <a16:creationId xmlns:a16="http://schemas.microsoft.com/office/drawing/2014/main" id="{801A0F5B-8D3D-CD55-394A-4A4B24287C3C}"/>
               </a:ext>
             </a:extLst>
           </p:cNvPr>
@@ -2902,7 +2902,7 @@
             </a:lvl1pPr>
           </a:lstStyle>
           <a:p>
-            <a:fld id="{1D722137-2904-4062-9030-4A176E7EEFDA}" type="datetimeFigureOut">
+            <a:fld id="{D125FF21-65F2-4C68-8E5C-AB540B63124E}" type="datetimeFigureOut">
               <a:rPr lang="zh-CN" altLang="en-US" smtClean="0"/>
               <a:t>2024/3/10</a:t>
             </a:fld>
@@ -2915,7 +2915,7 @@
           <p:cNvPr id="5" name="页脚占位符 4">
             <a:extLst>
               <a:ext uri="{FF2B5EF4-FFF2-40B4-BE49-F238E27FC236}">
-                <a16:creationId xmlns:a16="http://schemas.microsoft.com/office/drawing/2014/main" id="{8E7E3122-DA62-BAB8-EDA9-ACDEA558EA8A}"/>
+                <a16:creationId xmlns:a16="http://schemas.microsoft.com/office/drawing/2014/main" id="{5E9819A9-4F7F-71FC-7CD8-F78A100720D2}"/>
               </a:ext>
             </a:extLst>
           </p:cNvPr>
@@ -2958,7 +2958,7 @@
           <p:cNvPr id="6" name="灯片编号占位符 5">
             <a:extLst>
               <a:ext uri="{FF2B5EF4-FFF2-40B4-BE49-F238E27FC236}">
-                <a16:creationId xmlns:a16="http://schemas.microsoft.com/office/drawing/2014/main" id="{AB14AF79-8493-F308-6879-45C5E5C7DB34}"/>
+                <a16:creationId xmlns:a16="http://schemas.microsoft.com/office/drawing/2014/main" id="{E72BDD14-5174-88BD-27C6-F3FE60E2B6AF}"/>
               </a:ext>
             </a:extLst>
           </p:cNvPr>
@@ -2992,7 +2992,7 @@
             </a:lvl1pPr>
           </a:lstStyle>
           <a:p>
-            <a:fld id="{CAB4E7A5-7D28-40C5-8EDD-61C3A7FA35DF}" type="slidenum">
+            <a:fld id="{39108789-E885-4AAF-A689-A9D81F71C1B7}" type="slidenum">
               <a:rPr lang="zh-CN" altLang="en-US" smtClean="0"/>
               <a:t>‹#›</a:t>
             </a:fld>
@@ -3003,7 +3003,7 @@
     </p:spTree>
     <p:extLst>
       <p:ext uri="{BB962C8B-B14F-4D97-AF65-F5344CB8AC3E}">
-        <p14:creationId xmlns:p14="http://schemas.microsoft.com/office/powerpoint/2010/main" val="1332195358"/>
+        <p14:creationId xmlns:p14="http://schemas.microsoft.com/office/powerpoint/2010/main" val="2121366050"/>
       </p:ext>
     </p:extLst>
   </p:cSld>
@@ -3323,7 +3323,7 @@
       </p:grpSpPr>
       <p:pic>
         <p:nvPicPr>
-          <p:cNvPr id="610306" name="Picture 2" descr="595"/>
+          <p:cNvPr id="611330" name="Picture 2" descr="596"/>
           <p:cNvPicPr>
             <a:picLocks noChangeAspect="1" noChangeArrowheads="1"/>
           </p:cNvPicPr>
